--- a/작품소개서_최종.pptx
+++ b/작품소개서_최종.pptx
@@ -7038,14 +7038,34 @@
               <a:t> </a:t>
             </a:r>
             <a:r>
-              <a:rPr lang="ko-KR" altLang="en-US" sz="2800" dirty="0">
+              <a:rPr lang="ko-KR" altLang="en-US" sz="2800" dirty="0" err="1">
                 <a:solidFill>
                   <a:srgbClr val="000000"/>
                 </a:solidFill>
                 <a:latin typeface="굴림체" panose="020B0609000101010101" pitchFamily="49" charset="-127"/>
                 <a:ea typeface="굴림체" panose="020B0609000101010101" pitchFamily="49" charset="-127"/>
               </a:rPr>
-              <a:t>여러 </a:t>
+              <a:t>컴퓨트</a:t>
+            </a:r>
+            <a:r>
+              <a:rPr lang="en-US" altLang="ko-KR" sz="2800" dirty="0">
+                <a:solidFill>
+                  <a:srgbClr val="000000"/>
+                </a:solidFill>
+                <a:latin typeface="굴림체" panose="020B0609000101010101" pitchFamily="49" charset="-127"/>
+                <a:ea typeface="굴림체" panose="020B0609000101010101" pitchFamily="49" charset="-127"/>
+              </a:rPr>
+              <a:t>, </a:t>
+            </a:r>
+            <a:r>
+              <a:rPr lang="ko-KR" altLang="en-US" sz="2800" dirty="0">
+                <a:solidFill>
+                  <a:srgbClr val="000000"/>
+                </a:solidFill>
+                <a:latin typeface="굴림체" panose="020B0609000101010101" pitchFamily="49" charset="-127"/>
+                <a:ea typeface="굴림체" panose="020B0609000101010101" pitchFamily="49" charset="-127"/>
+              </a:rPr>
+              <a:t>기하 </a:t>
             </a:r>
             <a:r>
               <a:rPr lang="ko-KR" altLang="en-US" sz="2800" dirty="0" err="1">
@@ -7065,7 +7085,7 @@
                 <a:latin typeface="굴림체" panose="020B0609000101010101" pitchFamily="49" charset="-127"/>
                 <a:ea typeface="굴림체" panose="020B0609000101010101" pitchFamily="49" charset="-127"/>
               </a:rPr>
-              <a:t> 단계를 이용하여 화려한 </a:t>
+              <a:t> 단계를 이용한 화려한 </a:t>
             </a:r>
             <a:r>
               <a:rPr lang="ko-KR" altLang="en-US" sz="2800" dirty="0" err="1">
@@ -7107,7 +7127,7 @@
                 <a:latin typeface="굴림체" panose="020B0609000101010101" pitchFamily="49" charset="-127"/>
                 <a:ea typeface="굴림체" panose="020B0609000101010101" pitchFamily="49" charset="-127"/>
               </a:rPr>
-              <a:t> 많은 오브젝트에 대한 충돌과 렌더링 최적화</a:t>
+              <a:t> 오브젝트에 대한 충돌 처리와 렌더링 최적화</a:t>
             </a:r>
           </a:p>
           <a:p>
@@ -7129,7 +7149,47 @@
                 <a:latin typeface="굴림체" panose="020B0609000101010101" pitchFamily="49" charset="-127"/>
                 <a:ea typeface="굴림체" panose="020B0609000101010101" pitchFamily="49" charset="-127"/>
               </a:rPr>
-              <a:t> 다수의 조명에 대한 다중 그림자와 스킬</a:t>
+              <a:t> 지연 조명</a:t>
+            </a:r>
+            <a:r>
+              <a:rPr lang="en-US" altLang="ko-KR" sz="2800" dirty="0">
+                <a:solidFill>
+                  <a:srgbClr val="000000"/>
+                </a:solidFill>
+                <a:latin typeface="굴림체" panose="020B0609000101010101" pitchFamily="49" charset="-127"/>
+                <a:ea typeface="굴림체" panose="020B0609000101010101" pitchFamily="49" charset="-127"/>
+              </a:rPr>
+              <a:t> </a:t>
+            </a:r>
+            <a:r>
+              <a:rPr lang="ko-KR" altLang="en-US" sz="2800" dirty="0">
+                <a:solidFill>
+                  <a:srgbClr val="000000"/>
+                </a:solidFill>
+                <a:latin typeface="굴림체" panose="020B0609000101010101" pitchFamily="49" charset="-127"/>
+                <a:ea typeface="굴림체" panose="020B0609000101010101" pitchFamily="49" charset="-127"/>
+              </a:rPr>
+              <a:t>및 그림자</a:t>
+            </a:r>
+            <a:r>
+              <a:rPr lang="en-US" altLang="ko-KR" sz="2800" dirty="0">
+                <a:solidFill>
+                  <a:srgbClr val="000000"/>
+                </a:solidFill>
+                <a:latin typeface="굴림체" panose="020B0609000101010101" pitchFamily="49" charset="-127"/>
+                <a:ea typeface="굴림체" panose="020B0609000101010101" pitchFamily="49" charset="-127"/>
+              </a:rPr>
+              <a:t> </a:t>
+            </a:r>
+            <a:r>
+              <a:rPr lang="ko-KR" altLang="en-US" sz="2800" dirty="0">
+                <a:solidFill>
+                  <a:srgbClr val="000000"/>
+                </a:solidFill>
+                <a:latin typeface="굴림체" panose="020B0609000101010101" pitchFamily="49" charset="-127"/>
+                <a:ea typeface="굴림체" panose="020B0609000101010101" pitchFamily="49" charset="-127"/>
+              </a:rPr>
+              <a:t>최적화와 스킬</a:t>
             </a:r>
             <a:r>
               <a:rPr lang="en-US" altLang="ko-KR" sz="2800" dirty="0">
